--- a/What is data science.pptx
+++ b/What is data science.pptx
@@ -2,10 +2,11 @@
 <file path=ppt/presentation.xml><?xml version="1.0" encoding="utf-8"?>
 <p:presentation xmlns:a="http://schemas.openxmlformats.org/drawingml/2006/main" xmlns:r="http://schemas.openxmlformats.org/officeDocument/2006/relationships" xmlns:p="http://schemas.openxmlformats.org/presentationml/2006/main" saveSubsetFonts="1">
   <p:sldMasterIdLst>
-    <p:sldMasterId id="2147483648" r:id="rId1"/>
+    <p:sldMasterId id="2147483648" r:id="rId4"/>
   </p:sldMasterIdLst>
   <p:sldIdLst>
-    <p:sldId id="257" r:id="rId2"/>
+    <p:sldId id="257" r:id="rId5"/>
+    <p:sldId id="258" r:id="rId6"/>
   </p:sldIdLst>
   <p:sldSz cx="12192000" cy="6858000"/>
   <p:notesSz cx="6858000" cy="9144000"/>
@@ -104,7 +105,20 @@
       </a:defRPr>
     </a:lvl9pPr>
   </p:defaultTextStyle>
+  <p:extLst>
+    <p:ext uri="{EFAFB233-063F-42B5-8137-9DF3F51BA10A}">
+      <p15:sldGuideLst xmlns:p15="http://schemas.microsoft.com/office/powerpoint/2012/main"/>
+    </p:ext>
+  </p:extLst>
 </p:presentation>
+</file>
+
+<file path=ppt/revisionInfo.xml><?xml version="1.0" encoding="utf-8"?>
+<p1510:revInfo xmlns:a="http://schemas.openxmlformats.org/drawingml/2006/main" xmlns:r="http://schemas.openxmlformats.org/officeDocument/2006/relationships" xmlns:p1510="http://schemas.microsoft.com/office/powerpoint/2015/10/main">
+  <p1510:revLst>
+    <p1510:client id="{7D726486-9274-2802-829A-32EE4632B605}" v="22" dt="2023-01-30T10:18:38.333"/>
+  </p1510:revLst>
+</p1510:revInfo>
 </file>
 
 <file path=ppt/slideLayouts/slideLayout1.xml><?xml version="1.0" encoding="utf-8"?>
@@ -3461,6 +3475,116 @@
 </p:sld>
 </file>
 
+<file path=ppt/slides/slide2.xml><?xml version="1.0" encoding="utf-8"?>
+<p:sld xmlns:a="http://schemas.openxmlformats.org/drawingml/2006/main" xmlns:r="http://schemas.openxmlformats.org/officeDocument/2006/relationships" xmlns:p="http://schemas.openxmlformats.org/presentationml/2006/main">
+  <p:cSld>
+    <p:spTree>
+      <p:nvGrpSpPr>
+        <p:cNvPr id="1" name=""/>
+        <p:cNvGrpSpPr/>
+        <p:nvPr/>
+      </p:nvGrpSpPr>
+      <p:grpSpPr>
+        <a:xfrm>
+          <a:off x="0" y="0"/>
+          <a:ext cx="0" cy="0"/>
+          <a:chOff x="0" y="0"/>
+          <a:chExt cx="0" cy="0"/>
+        </a:xfrm>
+      </p:grpSpPr>
+      <p:sp>
+        <p:nvSpPr>
+          <p:cNvPr id="2" name="Title 1">
+            <a:extLst>
+              <a:ext uri="{FF2B5EF4-FFF2-40B4-BE49-F238E27FC236}">
+                <a16:creationId xmlns:a16="http://schemas.microsoft.com/office/drawing/2014/main" id="{3AFCDB48-8421-9E44-4C97-4394E429E6B9}"/>
+              </a:ext>
+            </a:extLst>
+          </p:cNvPr>
+          <p:cNvSpPr>
+            <a:spLocks noGrp="1"/>
+          </p:cNvSpPr>
+          <p:nvPr>
+            <p:ph type="title"/>
+          </p:nvPr>
+        </p:nvSpPr>
+        <p:spPr/>
+        <p:txBody>
+          <a:bodyPr/>
+          <a:lstStyle/>
+          <a:p>
+            <a:r>
+              <a:rPr lang="en-US" dirty="0">
+                <a:cs typeface="Calibri Light"/>
+              </a:rPr>
+              <a:t>"What does a data scientist do?"</a:t>
+            </a:r>
+            <a:endParaRPr lang="en-US" dirty="0"/>
+          </a:p>
+        </p:txBody>
+      </p:sp>
+      <p:sp>
+        <p:nvSpPr>
+          <p:cNvPr id="3" name="Content Placeholder 2">
+            <a:extLst>
+              <a:ext uri="{FF2B5EF4-FFF2-40B4-BE49-F238E27FC236}">
+                <a16:creationId xmlns:a16="http://schemas.microsoft.com/office/drawing/2014/main" id="{BDA15B39-5153-73D2-1A98-FCE4F435A944}"/>
+              </a:ext>
+            </a:extLst>
+          </p:cNvPr>
+          <p:cNvSpPr>
+            <a:spLocks noGrp="1"/>
+          </p:cNvSpPr>
+          <p:nvPr>
+            <p:ph idx="1"/>
+          </p:nvPr>
+        </p:nvSpPr>
+        <p:spPr/>
+        <p:txBody>
+          <a:bodyPr vert="horz" lIns="91440" tIns="45720" rIns="91440" bIns="45720" rtlCol="0" anchor="t">
+            <a:normAutofit/>
+          </a:bodyPr>
+          <a:lstStyle/>
+          <a:p>
+            <a:r>
+              <a:rPr lang="en-US" dirty="0">
+                <a:cs typeface="Calibri"/>
+              </a:rPr>
+              <a:t>data scientists examine which questions need answering and where to find the related data</a:t>
+            </a:r>
+          </a:p>
+          <a:p>
+            <a:r>
+              <a:rPr lang="en-US" dirty="0">
+                <a:cs typeface="Calibri"/>
+              </a:rPr>
+              <a:t>they have business acumen and analytical skills as well as the ability to mine, clean, and present data</a:t>
+            </a:r>
+            <a:endParaRPr lang="en-US"/>
+          </a:p>
+          <a:p>
+            <a:r>
+              <a:rPr lang="en-US" dirty="0">
+                <a:cs typeface="Calibri"/>
+              </a:rPr>
+              <a:t>businesses use data scientists to source, manage, and analyze large amounts of unstructured data</a:t>
+            </a:r>
+          </a:p>
+        </p:txBody>
+      </p:sp>
+    </p:spTree>
+    <p:extLst>
+      <p:ext uri="{BB962C8B-B14F-4D97-AF65-F5344CB8AC3E}">
+        <p14:creationId xmlns:p14="http://schemas.microsoft.com/office/powerpoint/2010/main" val="150514695"/>
+      </p:ext>
+    </p:extLst>
+  </p:cSld>
+  <p:clrMapOvr>
+    <a:masterClrMapping/>
+  </p:clrMapOvr>
+</p:sld>
+</file>
+
 <file path=ppt/theme/theme1.xml><?xml version="1.0" encoding="utf-8"?>
 <a:theme xmlns:a="http://schemas.openxmlformats.org/drawingml/2006/main" name="Office Theme">
   <a:themeElements>
@@ -3754,4 +3878,256 @@
     </a:ext>
   </a:extLst>
 </a:theme>
+</file>
+
+<file path=customXml/item1.xml><?xml version="1.0" encoding="utf-8"?>
+<ct:contentTypeSchema xmlns:ct="http://schemas.microsoft.com/office/2006/metadata/contentType" xmlns:ma="http://schemas.microsoft.com/office/2006/metadata/properties/metaAttributes" ct:_="" ma:_="" ma:contentTypeName="Document" ma:contentTypeID="0x01010093948E3826F5354196F60F941FD88CD0" ma:contentTypeVersion="8" ma:contentTypeDescription="Create a new document." ma:contentTypeScope="" ma:versionID="e3cbdfe28376f649bdb47a80d387dc60">
+  <xsd:schema xmlns:xsd="http://www.w3.org/2001/XMLSchema" xmlns:xs="http://www.w3.org/2001/XMLSchema" xmlns:p="http://schemas.microsoft.com/office/2006/metadata/properties" xmlns:ns3="4c28e6b4-1b92-4db9-9b9d-57796a0b5253" xmlns:ns4="1eae89cb-4817-4263-ba0e-08f17b5459b9" targetNamespace="http://schemas.microsoft.com/office/2006/metadata/properties" ma:root="true" ma:fieldsID="5d09399fe1ff49a2724ef09ae43df219" ns3:_="" ns4:_="">
+    <xsd:import namespace="4c28e6b4-1b92-4db9-9b9d-57796a0b5253"/>
+    <xsd:import namespace="1eae89cb-4817-4263-ba0e-08f17b5459b9"/>
+    <xsd:element name="properties">
+      <xsd:complexType>
+        <xsd:sequence>
+          <xsd:element name="documentManagement">
+            <xsd:complexType>
+              <xsd:all>
+                <xsd:element ref="ns3:MediaServiceMetadata" minOccurs="0"/>
+                <xsd:element ref="ns3:MediaServiceFastMetadata" minOccurs="0"/>
+                <xsd:element ref="ns3:MediaServiceAutoKeyPoints" minOccurs="0"/>
+                <xsd:element ref="ns3:MediaServiceKeyPoints" minOccurs="0"/>
+                <xsd:element ref="ns4:SharedWithUsers" minOccurs="0"/>
+                <xsd:element ref="ns4:SharedWithDetails" minOccurs="0"/>
+                <xsd:element ref="ns4:SharingHintHash" minOccurs="0"/>
+                <xsd:element ref="ns3:_activity" minOccurs="0"/>
+              </xsd:all>
+            </xsd:complexType>
+          </xsd:element>
+        </xsd:sequence>
+      </xsd:complexType>
+    </xsd:element>
+  </xsd:schema>
+  <xsd:schema xmlns:xsd="http://www.w3.org/2001/XMLSchema" xmlns:xs="http://www.w3.org/2001/XMLSchema" xmlns:dms="http://schemas.microsoft.com/office/2006/documentManagement/types" xmlns:pc="http://schemas.microsoft.com/office/infopath/2007/PartnerControls" targetNamespace="4c28e6b4-1b92-4db9-9b9d-57796a0b5253" elementFormDefault="qualified">
+    <xsd:import namespace="http://schemas.microsoft.com/office/2006/documentManagement/types"/>
+    <xsd:import namespace="http://schemas.microsoft.com/office/infopath/2007/PartnerControls"/>
+    <xsd:element name="MediaServiceMetadata" ma:index="8" nillable="true" ma:displayName="MediaServiceMetadata" ma:hidden="true" ma:internalName="MediaServiceMetadata" ma:readOnly="true">
+      <xsd:simpleType>
+        <xsd:restriction base="dms:Note"/>
+      </xsd:simpleType>
+    </xsd:element>
+    <xsd:element name="MediaServiceFastMetadata" ma:index="9" nillable="true" ma:displayName="MediaServiceFastMetadata" ma:hidden="true" ma:internalName="MediaServiceFastMetadata" ma:readOnly="true">
+      <xsd:simpleType>
+        <xsd:restriction base="dms:Note"/>
+      </xsd:simpleType>
+    </xsd:element>
+    <xsd:element name="MediaServiceAutoKeyPoints" ma:index="10" nillable="true" ma:displayName="MediaServiceAutoKeyPoints" ma:hidden="true" ma:internalName="MediaServiceAutoKeyPoints" ma:readOnly="true">
+      <xsd:simpleType>
+        <xsd:restriction base="dms:Note"/>
+      </xsd:simpleType>
+    </xsd:element>
+    <xsd:element name="MediaServiceKeyPoints" ma:index="11" nillable="true" ma:displayName="KeyPoints" ma:internalName="MediaServiceKeyPoints" ma:readOnly="true">
+      <xsd:simpleType>
+        <xsd:restriction base="dms:Note">
+          <xsd:maxLength value="255"/>
+        </xsd:restriction>
+      </xsd:simpleType>
+    </xsd:element>
+    <xsd:element name="_activity" ma:index="15" nillable="true" ma:displayName="_activity" ma:hidden="true" ma:internalName="_activity">
+      <xsd:simpleType>
+        <xsd:restriction base="dms:Note"/>
+      </xsd:simpleType>
+    </xsd:element>
+  </xsd:schema>
+  <xsd:schema xmlns:xsd="http://www.w3.org/2001/XMLSchema" xmlns:xs="http://www.w3.org/2001/XMLSchema" xmlns:dms="http://schemas.microsoft.com/office/2006/documentManagement/types" xmlns:pc="http://schemas.microsoft.com/office/infopath/2007/PartnerControls" targetNamespace="1eae89cb-4817-4263-ba0e-08f17b5459b9" elementFormDefault="qualified">
+    <xsd:import namespace="http://schemas.microsoft.com/office/2006/documentManagement/types"/>
+    <xsd:import namespace="http://schemas.microsoft.com/office/infopath/2007/PartnerControls"/>
+    <xsd:element name="SharedWithUsers" ma:index="12" nillable="true" ma:displayName="Shared With" ma:internalName="SharedWithUsers" ma:readOnly="true">
+      <xsd:complexType>
+        <xsd:complexContent>
+          <xsd:extension base="dms:UserMulti">
+            <xsd:sequence>
+              <xsd:element name="UserInfo" minOccurs="0" maxOccurs="unbounded">
+                <xsd:complexType>
+                  <xsd:sequence>
+                    <xsd:element name="DisplayName" type="xsd:string" minOccurs="0"/>
+                    <xsd:element name="AccountId" type="dms:UserId" minOccurs="0" nillable="true"/>
+                    <xsd:element name="AccountType" type="xsd:string" minOccurs="0"/>
+                  </xsd:sequence>
+                </xsd:complexType>
+              </xsd:element>
+            </xsd:sequence>
+          </xsd:extension>
+        </xsd:complexContent>
+      </xsd:complexType>
+    </xsd:element>
+    <xsd:element name="SharedWithDetails" ma:index="13" nillable="true" ma:displayName="Shared With Details" ma:internalName="SharedWithDetails" ma:readOnly="true">
+      <xsd:simpleType>
+        <xsd:restriction base="dms:Note">
+          <xsd:maxLength value="255"/>
+        </xsd:restriction>
+      </xsd:simpleType>
+    </xsd:element>
+    <xsd:element name="SharingHintHash" ma:index="14" nillable="true" ma:displayName="Sharing Hint Hash" ma:hidden="true" ma:internalName="SharingHintHash" ma:readOnly="true">
+      <xsd:simpleType>
+        <xsd:restriction base="dms:Text"/>
+      </xsd:simpleType>
+    </xsd:element>
+  </xsd:schema>
+  <xsd:schema xmlns="http://schemas.openxmlformats.org/package/2006/metadata/core-properties" xmlns:xsd="http://www.w3.org/2001/XMLSchema" xmlns:xsi="http://www.w3.org/2001/XMLSchema-instance" xmlns:dc="http://purl.org/dc/elements/1.1/" xmlns:dcterms="http://purl.org/dc/terms/" xmlns:odoc="http://schemas.microsoft.com/internal/obd" targetNamespace="http://schemas.openxmlformats.org/package/2006/metadata/core-properties" elementFormDefault="qualified" attributeFormDefault="unqualified" blockDefault="#all">
+    <xsd:import namespace="http://purl.org/dc/elements/1.1/" schemaLocation="http://dublincore.org/schemas/xmls/qdc/2003/04/02/dc.xsd"/>
+    <xsd:import namespace="http://purl.org/dc/terms/" schemaLocation="http://dublincore.org/schemas/xmls/qdc/2003/04/02/dcterms.xsd"/>
+    <xsd:element name="coreProperties" type="CT_coreProperties"/>
+    <xsd:complexType name="CT_coreProperties">
+      <xsd:all>
+        <xsd:element ref="dc:creator" minOccurs="0" maxOccurs="1"/>
+        <xsd:element ref="dcterms:created" minOccurs="0" maxOccurs="1"/>
+        <xsd:element ref="dc:identifier" minOccurs="0" maxOccurs="1"/>
+        <xsd:element name="contentType" minOccurs="0" maxOccurs="1" type="xsd:string" ma:index="0" ma:displayName="Content Type"/>
+        <xsd:element ref="dc:title" minOccurs="0" maxOccurs="1" ma:index="4" ma:displayName="Title"/>
+        <xsd:element ref="dc:subject" minOccurs="0" maxOccurs="1"/>
+        <xsd:element ref="dc:description" minOccurs="0" maxOccurs="1"/>
+        <xsd:element name="keywords" minOccurs="0" maxOccurs="1" type="xsd:string"/>
+        <xsd:element ref="dc:language" minOccurs="0" maxOccurs="1"/>
+        <xsd:element name="category" minOccurs="0" maxOccurs="1" type="xsd:string"/>
+        <xsd:element name="version" minOccurs="0" maxOccurs="1" type="xsd:string"/>
+        <xsd:element name="revision" minOccurs="0" maxOccurs="1" type="xsd:string">
+          <xsd:annotation>
+            <xsd:documentation>
+                        This value indicates the number of saves or revisions. The application is responsible for updating this value after each revision.
+                    </xsd:documentation>
+          </xsd:annotation>
+        </xsd:element>
+        <xsd:element name="lastModifiedBy" minOccurs="0" maxOccurs="1" type="xsd:string"/>
+        <xsd:element ref="dcterms:modified" minOccurs="0" maxOccurs="1"/>
+        <xsd:element name="contentStatus" minOccurs="0" maxOccurs="1" type="xsd:string"/>
+      </xsd:all>
+    </xsd:complexType>
+  </xsd:schema>
+  <xs:schema xmlns:pc="http://schemas.microsoft.com/office/infopath/2007/PartnerControls" xmlns:xs="http://www.w3.org/2001/XMLSchema" targetNamespace="http://schemas.microsoft.com/office/infopath/2007/PartnerControls" elementFormDefault="qualified" attributeFormDefault="unqualified">
+    <xs:element name="Person">
+      <xs:complexType>
+        <xs:sequence>
+          <xs:element ref="pc:DisplayName" minOccurs="0"/>
+          <xs:element ref="pc:AccountId" minOccurs="0"/>
+          <xs:element ref="pc:AccountType" minOccurs="0"/>
+        </xs:sequence>
+      </xs:complexType>
+    </xs:element>
+    <xs:element name="DisplayName" type="xs:string"/>
+    <xs:element name="AccountId" type="xs:string"/>
+    <xs:element name="AccountType" type="xs:string"/>
+    <xs:element name="BDCAssociatedEntity">
+      <xs:complexType>
+        <xs:sequence>
+          <xs:element ref="pc:BDCEntity" minOccurs="0" maxOccurs="unbounded"/>
+        </xs:sequence>
+        <xs:attribute ref="pc:EntityNamespace"/>
+        <xs:attribute ref="pc:EntityName"/>
+        <xs:attribute ref="pc:SystemInstanceName"/>
+        <xs:attribute ref="pc:AssociationName"/>
+      </xs:complexType>
+    </xs:element>
+    <xs:attribute name="EntityNamespace" type="xs:string"/>
+    <xs:attribute name="EntityName" type="xs:string"/>
+    <xs:attribute name="SystemInstanceName" type="xs:string"/>
+    <xs:attribute name="AssociationName" type="xs:string"/>
+    <xs:element name="BDCEntity">
+      <xs:complexType>
+        <xs:sequence>
+          <xs:element ref="pc:EntityDisplayName" minOccurs="0"/>
+          <xs:element ref="pc:EntityInstanceReference" minOccurs="0"/>
+          <xs:element ref="pc:EntityId1" minOccurs="0"/>
+          <xs:element ref="pc:EntityId2" minOccurs="0"/>
+          <xs:element ref="pc:EntityId3" minOccurs="0"/>
+          <xs:element ref="pc:EntityId4" minOccurs="0"/>
+          <xs:element ref="pc:EntityId5" minOccurs="0"/>
+        </xs:sequence>
+      </xs:complexType>
+    </xs:element>
+    <xs:element name="EntityDisplayName" type="xs:string"/>
+    <xs:element name="EntityInstanceReference" type="xs:string"/>
+    <xs:element name="EntityId1" type="xs:string"/>
+    <xs:element name="EntityId2" type="xs:string"/>
+    <xs:element name="EntityId3" type="xs:string"/>
+    <xs:element name="EntityId4" type="xs:string"/>
+    <xs:element name="EntityId5" type="xs:string"/>
+    <xs:element name="Terms">
+      <xs:complexType>
+        <xs:sequence>
+          <xs:element ref="pc:TermInfo" minOccurs="0" maxOccurs="unbounded"/>
+        </xs:sequence>
+      </xs:complexType>
+    </xs:element>
+    <xs:element name="TermInfo">
+      <xs:complexType>
+        <xs:sequence>
+          <xs:element ref="pc:TermName" minOccurs="0"/>
+          <xs:element ref="pc:TermId" minOccurs="0"/>
+        </xs:sequence>
+      </xs:complexType>
+    </xs:element>
+    <xs:element name="TermName" type="xs:string"/>
+    <xs:element name="TermId" type="xs:string"/>
+  </xs:schema>
+</ct:contentTypeSchema>
+</file>
+
+<file path=customXml/item2.xml><?xml version="1.0" encoding="utf-8"?>
+<p:properties xmlns:p="http://schemas.microsoft.com/office/2006/metadata/properties" xmlns:xsi="http://www.w3.org/2001/XMLSchema-instance" xmlns:pc="http://schemas.microsoft.com/office/infopath/2007/PartnerControls">
+  <documentManagement>
+    <_activity xmlns="4c28e6b4-1b92-4db9-9b9d-57796a0b5253" xsi:nil="true"/>
+  </documentManagement>
+</p:properties>
+</file>
+
+<file path=customXml/item3.xml><?xml version="1.0" encoding="utf-8"?>
+<?mso-contentType ?>
+<FormTemplates xmlns="http://schemas.microsoft.com/sharepoint/v3/contenttype/forms">
+  <Display>DocumentLibraryForm</Display>
+  <Edit>DocumentLibraryForm</Edit>
+  <New>DocumentLibraryForm</New>
+</FormTemplates>
+</file>
+
+<file path=customXml/itemProps1.xml><?xml version="1.0" encoding="utf-8"?>
+<ds:datastoreItem xmlns:ds="http://schemas.openxmlformats.org/officeDocument/2006/customXml" ds:itemID="{4BB4DD77-6AE4-49BD-8B1A-6C920979C5B7}">
+  <ds:schemaRefs>
+    <ds:schemaRef ds:uri="http://schemas.microsoft.com/office/2006/metadata/contentType"/>
+    <ds:schemaRef ds:uri="http://schemas.microsoft.com/office/2006/metadata/properties/metaAttributes"/>
+    <ds:schemaRef ds:uri="http://www.w3.org/2001/XMLSchema"/>
+    <ds:schemaRef ds:uri="http://schemas.microsoft.com/office/2006/metadata/properties"/>
+    <ds:schemaRef ds:uri="4c28e6b4-1b92-4db9-9b9d-57796a0b5253"/>
+    <ds:schemaRef ds:uri="1eae89cb-4817-4263-ba0e-08f17b5459b9"/>
+    <ds:schemaRef ds:uri="http://schemas.microsoft.com/office/2006/documentManagement/types"/>
+    <ds:schemaRef ds:uri="http://schemas.microsoft.com/office/infopath/2007/PartnerControls"/>
+    <ds:schemaRef ds:uri="http://schemas.openxmlformats.org/package/2006/metadata/core-properties"/>
+    <ds:schemaRef ds:uri="http://purl.org/dc/elements/1.1/"/>
+    <ds:schemaRef ds:uri="http://purl.org/dc/terms/"/>
+    <ds:schemaRef ds:uri="http://schemas.microsoft.com/internal/obd"/>
+  </ds:schemaRefs>
+</ds:datastoreItem>
+</file>
+
+<file path=customXml/itemProps2.xml><?xml version="1.0" encoding="utf-8"?>
+<ds:datastoreItem xmlns:ds="http://schemas.openxmlformats.org/officeDocument/2006/customXml" ds:itemID="{7FC282CE-6EDD-4B2F-8DD8-C20DDCEC2A0E}">
+  <ds:schemaRefs>
+    <ds:schemaRef ds:uri="4c28e6b4-1b92-4db9-9b9d-57796a0b5253"/>
+    <ds:schemaRef ds:uri="http://purl.org/dc/elements/1.1/"/>
+    <ds:schemaRef ds:uri="http://schemas.microsoft.com/office/2006/documentManagement/types"/>
+    <ds:schemaRef ds:uri="http://schemas.microsoft.com/office/2006/metadata/properties"/>
+    <ds:schemaRef ds:uri="http://www.w3.org/XML/1998/namespace"/>
+    <ds:schemaRef ds:uri="http://purl.org/dc/dcmitype/"/>
+    <ds:schemaRef ds:uri="1eae89cb-4817-4263-ba0e-08f17b5459b9"/>
+    <ds:schemaRef ds:uri="http://schemas.microsoft.com/office/infopath/2007/PartnerControls"/>
+    <ds:schemaRef ds:uri="http://schemas.openxmlformats.org/package/2006/metadata/core-properties"/>
+    <ds:schemaRef ds:uri="http://purl.org/dc/terms/"/>
+  </ds:schemaRefs>
+</ds:datastoreItem>
+</file>
+
+<file path=customXml/itemProps3.xml><?xml version="1.0" encoding="utf-8"?>
+<ds:datastoreItem xmlns:ds="http://schemas.openxmlformats.org/officeDocument/2006/customXml" ds:itemID="{63EE4171-7DA2-4DD1-AF0F-E4A5B0D515DC}">
+  <ds:schemaRefs>
+    <ds:schemaRef ds:uri="http://schemas.microsoft.com/sharepoint/v3/contenttype/forms"/>
+  </ds:schemaRefs>
+</ds:datastoreItem>
 </file>